--- a/planewave.pptx
+++ b/planewave.pptx
@@ -247,7 +247,7 @@
           <a:p>
             <a:fld id="{95BD1005-BDC6-4327-A8E1-8568F6EDDE07}" type="datetimeFigureOut">
               <a:rPr lang="en-US" smtClean="0"/>
-              <a:t>6/4/2018</a:t>
+              <a:t>6/6/2018</a:t>
             </a:fld>
             <a:endParaRPr lang="en-US"/>
           </a:p>
@@ -448,7 +448,7 @@
           <a:p>
             <a:fld id="{95BD1005-BDC6-4327-A8E1-8568F6EDDE07}" type="datetimeFigureOut">
               <a:rPr lang="en-US" smtClean="0"/>
-              <a:t>6/4/2018</a:t>
+              <a:t>6/6/2018</a:t>
             </a:fld>
             <a:endParaRPr lang="en-US"/>
           </a:p>
@@ -628,7 +628,7 @@
           <a:p>
             <a:fld id="{95BD1005-BDC6-4327-A8E1-8568F6EDDE07}" type="datetimeFigureOut">
               <a:rPr lang="en-US" smtClean="0"/>
-              <a:t>6/4/2018</a:t>
+              <a:t>6/6/2018</a:t>
             </a:fld>
             <a:endParaRPr lang="en-US"/>
           </a:p>
@@ -798,7 +798,7 @@
           <a:p>
             <a:fld id="{95BD1005-BDC6-4327-A8E1-8568F6EDDE07}" type="datetimeFigureOut">
               <a:rPr lang="en-US" smtClean="0"/>
-              <a:t>6/4/2018</a:t>
+              <a:t>6/6/2018</a:t>
             </a:fld>
             <a:endParaRPr lang="en-US"/>
           </a:p>
@@ -1049,7 +1049,7 @@
           <a:p>
             <a:fld id="{95BD1005-BDC6-4327-A8E1-8568F6EDDE07}" type="datetimeFigureOut">
               <a:rPr lang="en-US" smtClean="0"/>
-              <a:t>6/4/2018</a:t>
+              <a:t>6/6/2018</a:t>
             </a:fld>
             <a:endParaRPr lang="en-US"/>
           </a:p>
@@ -1288,7 +1288,7 @@
           <a:p>
             <a:fld id="{95BD1005-BDC6-4327-A8E1-8568F6EDDE07}" type="datetimeFigureOut">
               <a:rPr lang="en-US" smtClean="0"/>
-              <a:t>6/4/2018</a:t>
+              <a:t>6/6/2018</a:t>
             </a:fld>
             <a:endParaRPr lang="en-US"/>
           </a:p>
@@ -1662,7 +1662,7 @@
           <a:p>
             <a:fld id="{95BD1005-BDC6-4327-A8E1-8568F6EDDE07}" type="datetimeFigureOut">
               <a:rPr lang="en-US" smtClean="0"/>
-              <a:t>6/4/2018</a:t>
+              <a:t>6/6/2018</a:t>
             </a:fld>
             <a:endParaRPr lang="en-US"/>
           </a:p>
@@ -1780,7 +1780,7 @@
           <a:p>
             <a:fld id="{95BD1005-BDC6-4327-A8E1-8568F6EDDE07}" type="datetimeFigureOut">
               <a:rPr lang="en-US" smtClean="0"/>
-              <a:t>6/4/2018</a:t>
+              <a:t>6/6/2018</a:t>
             </a:fld>
             <a:endParaRPr lang="en-US"/>
           </a:p>
@@ -1875,7 +1875,7 @@
           <a:p>
             <a:fld id="{95BD1005-BDC6-4327-A8E1-8568F6EDDE07}" type="datetimeFigureOut">
               <a:rPr lang="en-US" smtClean="0"/>
-              <a:t>6/4/2018</a:t>
+              <a:t>6/6/2018</a:t>
             </a:fld>
             <a:endParaRPr lang="en-US"/>
           </a:p>
@@ -2152,7 +2152,7 @@
           <a:p>
             <a:fld id="{95BD1005-BDC6-4327-A8E1-8568F6EDDE07}" type="datetimeFigureOut">
               <a:rPr lang="en-US" smtClean="0"/>
-              <a:t>6/4/2018</a:t>
+              <a:t>6/6/2018</a:t>
             </a:fld>
             <a:endParaRPr lang="en-US"/>
           </a:p>
@@ -2405,7 +2405,7 @@
           <a:p>
             <a:fld id="{95BD1005-BDC6-4327-A8E1-8568F6EDDE07}" type="datetimeFigureOut">
               <a:rPr lang="en-US" smtClean="0"/>
-              <a:t>6/4/2018</a:t>
+              <a:t>6/6/2018</a:t>
             </a:fld>
             <a:endParaRPr lang="en-US"/>
           </a:p>
@@ -2620,7 +2620,7 @@
             <a:fld id="{95BD1005-BDC6-4327-A8E1-8568F6EDDE07}" type="datetimeFigureOut">
               <a:rPr lang="en-US" smtClean="0"/>
               <a:pPr/>
-              <a:t>6/4/2018</a:t>
+              <a:t>6/6/2018</a:t>
             </a:fld>
             <a:endParaRPr lang="en-US"/>
           </a:p>
@@ -3082,8 +3082,8 @@
           </a:p>
         </p:txBody>
       </p:sp>
-      <mc:AlternateContent xmlns:mc="http://schemas.openxmlformats.org/markup-compatibility/2006">
-        <mc:Choice xmlns:a14="http://schemas.microsoft.com/office/drawing/2010/main" Requires="a14">
+      <mc:AlternateContent xmlns:mc="http://schemas.openxmlformats.org/markup-compatibility/2006" xmlns:a14="http://schemas.microsoft.com/office/drawing/2010/main">
+        <mc:Choice Requires="a14">
           <p:sp>
             <p:nvSpPr>
               <p:cNvPr id="3" name="Content Placeholder 2"/>
@@ -3458,7 +3458,7 @@
             </p:txBody>
           </p:sp>
         </mc:Choice>
-        <mc:Fallback>
+        <mc:Fallback xmlns="">
           <p:sp>
             <p:nvSpPr>
               <p:cNvPr id="3" name="Content Placeholder 2"/>
@@ -3545,8 +3545,8 @@
           </a:p>
         </p:txBody>
       </p:sp>
-      <mc:AlternateContent xmlns:mc="http://schemas.openxmlformats.org/markup-compatibility/2006">
-        <mc:Choice xmlns:a14="http://schemas.microsoft.com/office/drawing/2010/main" Requires="a14">
+      <mc:AlternateContent xmlns:mc="http://schemas.openxmlformats.org/markup-compatibility/2006" xmlns:a14="http://schemas.microsoft.com/office/drawing/2010/main">
+        <mc:Choice Requires="a14">
           <p:sp>
             <p:nvSpPr>
               <p:cNvPr id="3" name="Content Placeholder 2"/>
@@ -3637,7 +3637,6 @@
                   <a:rPr lang="en-US" dirty="0"/>
                   <a:t> is the refractive index “in front” of the normal</a:t>
                 </a:r>
-                <a:endParaRPr lang="en-US" dirty="0"/>
               </a:p>
               <a:p>
                 <a14:m>
@@ -3794,7 +3793,7 @@
             </p:txBody>
           </p:sp>
         </mc:Choice>
-        <mc:Fallback>
+        <mc:Fallback xmlns="">
           <p:sp>
             <p:nvSpPr>
               <p:cNvPr id="3" name="Content Placeholder 2"/>
@@ -3911,8 +3910,8 @@
           </a:fontRef>
         </p:style>
       </p:cxnSp>
-      <mc:AlternateContent xmlns:mc="http://schemas.openxmlformats.org/markup-compatibility/2006">
-        <mc:Choice xmlns:a14="http://schemas.microsoft.com/office/drawing/2010/main" Requires="a14">
+      <mc:AlternateContent xmlns:mc="http://schemas.openxmlformats.org/markup-compatibility/2006" xmlns:a14="http://schemas.microsoft.com/office/drawing/2010/main">
+        <mc:Choice Requires="a14">
           <p:sp>
             <p:nvSpPr>
               <p:cNvPr id="9" name="TextBox 8"/>
@@ -3935,6 +3934,7 @@
               </a:bodyPr>
               <a:lstStyle/>
               <a:p>
+                <a:pPr/>
                 <a14:m>
                   <m:oMathPara xmlns:m="http://schemas.openxmlformats.org/officeDocument/2006/math">
                     <m:oMathParaPr>
@@ -3962,7 +3962,7 @@
             </p:txBody>
           </p:sp>
         </mc:Choice>
-        <mc:Fallback>
+        <mc:Fallback xmlns="">
           <p:sp>
             <p:nvSpPr>
               <p:cNvPr id="9" name="TextBox 8"/>
@@ -4001,8 +4001,8 @@
           </p:sp>
         </mc:Fallback>
       </mc:AlternateContent>
-      <mc:AlternateContent xmlns:mc="http://schemas.openxmlformats.org/markup-compatibility/2006">
-        <mc:Choice xmlns:a14="http://schemas.microsoft.com/office/drawing/2010/main" Requires="a14">
+      <mc:AlternateContent xmlns:mc="http://schemas.openxmlformats.org/markup-compatibility/2006" xmlns:a14="http://schemas.microsoft.com/office/drawing/2010/main">
+        <mc:Choice Requires="a14">
           <p:sp>
             <p:nvSpPr>
               <p:cNvPr id="10" name="TextBox 9"/>
@@ -4025,6 +4025,7 @@
               </a:bodyPr>
               <a:lstStyle/>
               <a:p>
+                <a:pPr/>
                 <a14:m>
                   <m:oMathPara xmlns:m="http://schemas.openxmlformats.org/officeDocument/2006/math">
                     <m:oMathParaPr>
@@ -4052,7 +4053,7 @@
             </p:txBody>
           </p:sp>
         </mc:Choice>
-        <mc:Fallback>
+        <mc:Fallback xmlns="">
           <p:sp>
             <p:nvSpPr>
               <p:cNvPr id="10" name="TextBox 9"/>
@@ -4142,8 +4143,8 @@
           </a:p>
         </p:txBody>
       </p:sp>
-      <mc:AlternateContent xmlns:mc="http://schemas.openxmlformats.org/markup-compatibility/2006">
-        <mc:Choice xmlns:a14="http://schemas.microsoft.com/office/drawing/2010/main" Requires="a14">
+      <mc:AlternateContent xmlns:mc="http://schemas.openxmlformats.org/markup-compatibility/2006" xmlns:a14="http://schemas.microsoft.com/office/drawing/2010/main">
+        <mc:Choice Requires="a14">
           <p:sp>
             <p:nvSpPr>
               <p:cNvPr id="12" name="TextBox 11"/>
@@ -4166,6 +4167,7 @@
               </a:bodyPr>
               <a:lstStyle/>
               <a:p>
+                <a:pPr/>
                 <a14:m>
                   <m:oMathPara xmlns:m="http://schemas.openxmlformats.org/officeDocument/2006/math">
                     <m:oMathParaPr>
@@ -4214,7 +4216,7 @@
             </p:txBody>
           </p:sp>
         </mc:Choice>
-        <mc:Fallback>
+        <mc:Fallback xmlns="">
           <p:sp>
             <p:nvSpPr>
               <p:cNvPr id="12" name="TextBox 11"/>
@@ -4253,8 +4255,8 @@
           </p:sp>
         </mc:Fallback>
       </mc:AlternateContent>
-      <mc:AlternateContent xmlns:mc="http://schemas.openxmlformats.org/markup-compatibility/2006">
-        <mc:Choice xmlns:a14="http://schemas.microsoft.com/office/drawing/2010/main" Requires="a14">
+      <mc:AlternateContent xmlns:mc="http://schemas.openxmlformats.org/markup-compatibility/2006" xmlns:a14="http://schemas.microsoft.com/office/drawing/2010/main">
+        <mc:Choice Requires="a14">
           <p:sp>
             <p:nvSpPr>
               <p:cNvPr id="13" name="TextBox 12"/>
@@ -4277,6 +4279,7 @@
               </a:bodyPr>
               <a:lstStyle/>
               <a:p>
+                <a:pPr/>
                 <a14:m>
                   <m:oMathPara xmlns:m="http://schemas.openxmlformats.org/officeDocument/2006/math">
                     <m:oMathParaPr>
@@ -4325,7 +4328,7 @@
             </p:txBody>
           </p:sp>
         </mc:Choice>
-        <mc:Fallback>
+        <mc:Fallback xmlns="">
           <p:sp>
             <p:nvSpPr>
               <p:cNvPr id="13" name="TextBox 12"/>
@@ -4442,8 +4445,8 @@
           </a:fontRef>
         </p:style>
       </p:cxnSp>
-      <mc:AlternateContent xmlns:mc="http://schemas.openxmlformats.org/markup-compatibility/2006">
-        <mc:Choice xmlns:a14="http://schemas.microsoft.com/office/drawing/2010/main" Requires="a14">
+      <mc:AlternateContent xmlns:mc="http://schemas.openxmlformats.org/markup-compatibility/2006" xmlns:a14="http://schemas.microsoft.com/office/drawing/2010/main">
+        <mc:Choice Requires="a14">
           <p:sp>
             <p:nvSpPr>
               <p:cNvPr id="19" name="TextBox 18"/>
@@ -4466,6 +4469,7 @@
               </a:bodyPr>
               <a:lstStyle/>
               <a:p>
+                <a:pPr/>
                 <a14:m>
                   <m:oMathPara xmlns:m="http://schemas.openxmlformats.org/officeDocument/2006/math">
                     <m:oMathParaPr>
@@ -4493,7 +4497,7 @@
             </p:txBody>
           </p:sp>
         </mc:Choice>
-        <mc:Fallback>
+        <mc:Fallback xmlns="">
           <p:sp>
             <p:nvSpPr>
               <p:cNvPr id="19" name="TextBox 18"/>
@@ -4532,8 +4536,8 @@
           </p:sp>
         </mc:Fallback>
       </mc:AlternateContent>
-      <mc:AlternateContent xmlns:mc="http://schemas.openxmlformats.org/markup-compatibility/2006">
-        <mc:Choice xmlns:a14="http://schemas.microsoft.com/office/drawing/2010/main" Requires="a14">
+      <mc:AlternateContent xmlns:mc="http://schemas.openxmlformats.org/markup-compatibility/2006" xmlns:a14="http://schemas.microsoft.com/office/drawing/2010/main">
+        <mc:Choice Requires="a14">
           <p:sp>
             <p:nvSpPr>
               <p:cNvPr id="20" name="TextBox 19"/>
@@ -4556,6 +4560,7 @@
               </a:bodyPr>
               <a:lstStyle/>
               <a:p>
+                <a:pPr/>
                 <a14:m>
                   <m:oMathPara xmlns:m="http://schemas.openxmlformats.org/officeDocument/2006/math">
                     <m:oMathParaPr>
@@ -4608,7 +4613,7 @@
             </p:txBody>
           </p:sp>
         </mc:Choice>
-        <mc:Fallback>
+        <mc:Fallback xmlns="">
           <p:sp>
             <p:nvSpPr>
               <p:cNvPr id="20" name="TextBox 19"/>
@@ -4700,8 +4705,8 @@
           </a:p>
         </p:txBody>
       </p:sp>
-      <mc:AlternateContent xmlns:mc="http://schemas.openxmlformats.org/markup-compatibility/2006">
-        <mc:Choice xmlns:a14="http://schemas.microsoft.com/office/drawing/2010/main" Requires="a14">
+      <mc:AlternateContent xmlns:mc="http://schemas.openxmlformats.org/markup-compatibility/2006" xmlns:a14="http://schemas.microsoft.com/office/drawing/2010/main">
+        <mc:Choice Requires="a14">
           <p:sp>
             <p:nvSpPr>
               <p:cNvPr id="3" name="Content Placeholder 2"/>
@@ -5940,7 +5945,7 @@
             </p:txBody>
           </p:sp>
         </mc:Choice>
-        <mc:Fallback>
+        <mc:Fallback xmlns="">
           <p:sp>
             <p:nvSpPr>
               <p:cNvPr id="3" name="Content Placeholder 2"/>
@@ -6232,7 +6237,7 @@
               <a:p>
                 <a:pPr marL="514350" indent="-514350">
                   <a:buFont typeface="+mj-lt"/>
-                  <a:buAutoNum type="arabicPeriod"/>
+                  <a:buAutoNum type="arabicPeriod" startAt="3"/>
                 </a:pPr>
                 <a:r>
                   <a:rPr lang="en-US" dirty="0" smtClean="0"/>
@@ -6506,7 +6511,7 @@
               </p:nvPr>
             </p:nvSpPr>
             <p:spPr>
-              <a:blipFill>
+              <a:blipFill rotWithShape="0">
                 <a:blip r:embed="rId3"/>
                 <a:stretch>
                   <a:fillRect l="-2471" t="-2158"/>
@@ -6782,7 +6787,7 @@
             </p:spPr>
             <p:txBody>
               <a:bodyPr>
-                <a:normAutofit/>
+                <a:normAutofit fontScale="92500" lnSpcReduction="10000"/>
               </a:bodyPr>
               <a:lstStyle/>
               <a:p>
@@ -6960,8 +6965,13 @@
                 </a:pPr>
                 <a:r>
                   <a:rPr lang="en-US" dirty="0" smtClean="0"/>
-                  <a:t>Calculate the intersection point:</a:t>
+                  <a:t>Calculate the </a:t>
                 </a:r>
+                <a:r>
+                  <a:rPr lang="en-US" dirty="0" smtClean="0"/>
+                  <a:t>intersection point:</a:t>
+                </a:r>
+                <a:endParaRPr lang="en-US" dirty="0" smtClean="0"/>
               </a:p>
               <a:p>
                 <a:pPr marL="457200" lvl="1" indent="0">
@@ -6979,6 +6989,43 @@
                         </a:rPr>
                         <m:t>𝒄</m:t>
                       </m:r>
+                      <m:r>
+                        <a:rPr lang="en-US" b="0" i="1" smtClean="0">
+                          <a:latin typeface="Cambria Math" panose="02040503050406030204" pitchFamily="18" charset="0"/>
+                        </a:rPr>
+                        <m:t>=</m:t>
+                      </m:r>
+                      <m:r>
+                        <a:rPr lang="en-US" b="0" i="1" smtClean="0">
+                          <a:latin typeface="Cambria Math" panose="02040503050406030204" pitchFamily="18" charset="0"/>
+                        </a:rPr>
+                        <m:t>𝑡</m:t>
+                      </m:r>
+                      <m:sSub>
+                        <m:sSubPr>
+                          <m:ctrlPr>
+                            <a:rPr lang="en-US" i="1">
+                              <a:latin typeface="Cambria Math" panose="02040503050406030204" pitchFamily="18" charset="0"/>
+                            </a:rPr>
+                          </m:ctrlPr>
+                        </m:sSubPr>
+                        <m:e>
+                          <m:r>
+                            <a:rPr lang="en-US" b="1" i="1">
+                              <a:latin typeface="Cambria Math" panose="02040503050406030204" pitchFamily="18" charset="0"/>
+                            </a:rPr>
+                            <m:t>𝒌</m:t>
+                          </m:r>
+                        </m:e>
+                        <m:sub>
+                          <m:r>
+                            <a:rPr lang="en-US" i="1">
+                              <a:latin typeface="Cambria Math" panose="02040503050406030204" pitchFamily="18" charset="0"/>
+                            </a:rPr>
+                            <m:t>𝑡</m:t>
+                          </m:r>
+                        </m:sub>
+                      </m:sSub>
                       <m:r>
                         <a:rPr lang="en-US" b="0" i="1" smtClean="0">
                           <a:latin typeface="Cambria Math" panose="02040503050406030204" pitchFamily="18" charset="0"/>
@@ -7018,6 +7065,32 @@
                               <m:r>
                                 <a:rPr lang="en-US" b="1" i="1" smtClean="0">
                                   <a:latin typeface="Cambria Math" panose="02040503050406030204" pitchFamily="18" charset="0"/>
+                                </a:rPr>
+                                <m:t>𝒏</m:t>
+                              </m:r>
+                              <m:r>
+                                <a:rPr lang="en-US" b="1" i="1" smtClean="0">
+                                  <a:latin typeface="Cambria Math" panose="02040503050406030204" pitchFamily="18" charset="0"/>
+                                </a:rPr>
+                                <m:t>−</m:t>
+                              </m:r>
+                              <m:r>
+                                <a:rPr lang="en-US" b="1" i="1" smtClean="0">
+                                  <a:latin typeface="Cambria Math" panose="02040503050406030204" pitchFamily="18" charset="0"/>
+                                </a:rPr>
+                                <m:t>𝒓</m:t>
+                              </m:r>
+                              <m:r>
+                                <a:rPr lang="en-US" b="1" i="1" smtClean="0">
+                                  <a:latin typeface="Cambria Math" panose="02040503050406030204" pitchFamily="18" charset="0"/>
+                                  <a:ea typeface="Cambria Math" panose="02040503050406030204" pitchFamily="18" charset="0"/>
+                                </a:rPr>
+                                <m:t>∙</m:t>
+                              </m:r>
+                              <m:r>
+                                <a:rPr lang="en-US" b="1" i="1" smtClean="0">
+                                  <a:latin typeface="Cambria Math" panose="02040503050406030204" pitchFamily="18" charset="0"/>
+                                  <a:ea typeface="Cambria Math" panose="02040503050406030204" pitchFamily="18" charset="0"/>
                                 </a:rPr>
                                 <m:t>𝒏</m:t>
                               </m:r>
@@ -7089,6 +7162,216 @@
                           </m:r>
                         </m:sub>
                       </m:sSub>
+                    </m:oMath>
+                  </m:oMathPara>
+                </a14:m>
+                <a:endParaRPr lang="en-US" dirty="0" smtClean="0"/>
+              </a:p>
+              <a:p>
+                <a:pPr marL="457200" lvl="1" indent="0">
+                  <a:buNone/>
+                </a:pPr>
+                <a14:m>
+                  <m:oMathPara xmlns:m="http://schemas.openxmlformats.org/officeDocument/2006/math">
+                    <m:oMathParaPr>
+                      <m:jc m:val="centerGroup"/>
+                    </m:oMathParaPr>
+                    <m:oMath xmlns:m="http://schemas.openxmlformats.org/officeDocument/2006/math">
+                      <m:sSub>
+                        <m:sSubPr>
+                          <m:ctrlPr>
+                            <a:rPr lang="en-US" b="1" i="1">
+                              <a:latin typeface="Cambria Math" panose="02040503050406030204" pitchFamily="18" charset="0"/>
+                            </a:rPr>
+                          </m:ctrlPr>
+                        </m:sSubPr>
+                        <m:e>
+                          <m:acc>
+                            <m:accPr>
+                              <m:chr m:val="̂"/>
+                              <m:ctrlPr>
+                                <a:rPr lang="en-US" i="1">
+                                  <a:latin typeface="Cambria Math" panose="02040503050406030204" pitchFamily="18" charset="0"/>
+                                </a:rPr>
+                              </m:ctrlPr>
+                            </m:accPr>
+                            <m:e>
+                              <m:r>
+                                <a:rPr lang="en-US" b="1" i="1">
+                                  <a:latin typeface="Cambria Math" panose="02040503050406030204" pitchFamily="18" charset="0"/>
+                                </a:rPr>
+                                <m:t>𝒌</m:t>
+                              </m:r>
+                            </m:e>
+                          </m:acc>
+                        </m:e>
+                        <m:sub>
+                          <m:r>
+                            <a:rPr lang="en-US" b="1" i="1">
+                              <a:latin typeface="Cambria Math" panose="02040503050406030204" pitchFamily="18" charset="0"/>
+                            </a:rPr>
+                            <m:t>𝒕</m:t>
+                          </m:r>
+                        </m:sub>
+                      </m:sSub>
+                      <m:d>
+                        <m:dPr>
+                          <m:ctrlPr>
+                            <a:rPr lang="en-US" b="1" i="1">
+                              <a:latin typeface="Cambria Math" panose="02040503050406030204" pitchFamily="18" charset="0"/>
+                            </a:rPr>
+                          </m:ctrlPr>
+                        </m:dPr>
+                        <m:e>
+                          <m:r>
+                            <a:rPr lang="en-US" b="1" i="1">
+                              <a:latin typeface="Cambria Math" panose="02040503050406030204" pitchFamily="18" charset="0"/>
+                            </a:rPr>
+                            <m:t>𝒓</m:t>
+                          </m:r>
+                          <m:r>
+                            <a:rPr lang="en-US" i="1">
+                              <a:latin typeface="Cambria Math" panose="02040503050406030204" pitchFamily="18" charset="0"/>
+                            </a:rPr>
+                            <m:t>−</m:t>
+                          </m:r>
+                          <m:r>
+                            <a:rPr lang="en-US" b="1" i="1">
+                              <a:latin typeface="Cambria Math" panose="02040503050406030204" pitchFamily="18" charset="0"/>
+                            </a:rPr>
+                            <m:t>𝒄</m:t>
+                          </m:r>
+                        </m:e>
+                      </m:d>
+                      <m:r>
+                        <a:rPr lang="en-US" b="1" i="1" smtClean="0">
+                          <a:latin typeface="Cambria Math" panose="02040503050406030204" pitchFamily="18" charset="0"/>
+                        </a:rPr>
+                        <m:t>=−</m:t>
+                      </m:r>
+                      <m:r>
+                        <a:rPr lang="en-US" b="1" i="1" smtClean="0">
+                          <a:latin typeface="Cambria Math" panose="02040503050406030204" pitchFamily="18" charset="0"/>
+                        </a:rPr>
+                        <m:t>𝒕</m:t>
+                      </m:r>
+                      <m:r>
+                        <a:rPr lang="en-US" i="1">
+                          <a:latin typeface="Cambria Math" panose="02040503050406030204" pitchFamily="18" charset="0"/>
+                        </a:rPr>
+                        <m:t>=</m:t>
+                      </m:r>
+                      <m:r>
+                        <a:rPr lang="en-US" b="0" i="1" smtClean="0">
+                          <a:latin typeface="Cambria Math" panose="02040503050406030204" pitchFamily="18" charset="0"/>
+                        </a:rPr>
+                        <m:t>−</m:t>
+                      </m:r>
+                      <m:d>
+                        <m:dPr>
+                          <m:ctrlPr>
+                            <a:rPr lang="en-US" i="1">
+                              <a:latin typeface="Cambria Math" panose="02040503050406030204" pitchFamily="18" charset="0"/>
+                            </a:rPr>
+                          </m:ctrlPr>
+                        </m:dPr>
+                        <m:e>
+                          <m:f>
+                            <m:fPr>
+                              <m:ctrlPr>
+                                <a:rPr lang="en-US" i="1">
+                                  <a:latin typeface="Cambria Math" panose="02040503050406030204" pitchFamily="18" charset="0"/>
+                                </a:rPr>
+                              </m:ctrlPr>
+                            </m:fPr>
+                            <m:num>
+                              <m:r>
+                                <a:rPr lang="en-US" b="1" i="1">
+                                  <a:latin typeface="Cambria Math" panose="02040503050406030204" pitchFamily="18" charset="0"/>
+                                </a:rPr>
+                                <m:t>𝒑</m:t>
+                              </m:r>
+                              <m:r>
+                                <a:rPr lang="en-US" i="1">
+                                  <a:latin typeface="Cambria Math" panose="02040503050406030204" pitchFamily="18" charset="0"/>
+                                </a:rPr>
+                                <m:t>⋅</m:t>
+                              </m:r>
+                              <m:r>
+                                <a:rPr lang="en-US" b="1" i="1">
+                                  <a:latin typeface="Cambria Math" panose="02040503050406030204" pitchFamily="18" charset="0"/>
+                                </a:rPr>
+                                <m:t>𝒏</m:t>
+                              </m:r>
+                              <m:r>
+                                <a:rPr lang="en-US" b="1" i="1">
+                                  <a:latin typeface="Cambria Math" panose="02040503050406030204" pitchFamily="18" charset="0"/>
+                                </a:rPr>
+                                <m:t>−</m:t>
+                              </m:r>
+                              <m:r>
+                                <a:rPr lang="en-US" b="1" i="1">
+                                  <a:latin typeface="Cambria Math" panose="02040503050406030204" pitchFamily="18" charset="0"/>
+                                </a:rPr>
+                                <m:t>𝒓</m:t>
+                              </m:r>
+                              <m:r>
+                                <a:rPr lang="en-US" b="1" i="1">
+                                  <a:latin typeface="Cambria Math" panose="02040503050406030204" pitchFamily="18" charset="0"/>
+                                  <a:ea typeface="Cambria Math" panose="02040503050406030204" pitchFamily="18" charset="0"/>
+                                </a:rPr>
+                                <m:t>∙</m:t>
+                              </m:r>
+                              <m:r>
+                                <a:rPr lang="en-US" b="1" i="1">
+                                  <a:latin typeface="Cambria Math" panose="02040503050406030204" pitchFamily="18" charset="0"/>
+                                  <a:ea typeface="Cambria Math" panose="02040503050406030204" pitchFamily="18" charset="0"/>
+                                </a:rPr>
+                                <m:t>𝒏</m:t>
+                              </m:r>
+                            </m:num>
+                            <m:den>
+                              <m:sSub>
+                                <m:sSubPr>
+                                  <m:ctrlPr>
+                                    <a:rPr lang="en-US" i="1">
+                                      <a:latin typeface="Cambria Math" panose="02040503050406030204" pitchFamily="18" charset="0"/>
+                                    </a:rPr>
+                                  </m:ctrlPr>
+                                </m:sSubPr>
+                                <m:e>
+                                  <m:r>
+                                    <a:rPr lang="en-US" b="1" i="1">
+                                      <a:latin typeface="Cambria Math" panose="02040503050406030204" pitchFamily="18" charset="0"/>
+                                    </a:rPr>
+                                    <m:t>𝒌</m:t>
+                                  </m:r>
+                                </m:e>
+                                <m:sub>
+                                  <m:r>
+                                    <a:rPr lang="en-US" i="1">
+                                      <a:latin typeface="Cambria Math" panose="02040503050406030204" pitchFamily="18" charset="0"/>
+                                    </a:rPr>
+                                    <m:t>𝑡</m:t>
+                                  </m:r>
+                                </m:sub>
+                              </m:sSub>
+                              <m:r>
+                                <a:rPr lang="en-US" i="1">
+                                  <a:latin typeface="Cambria Math" panose="02040503050406030204" pitchFamily="18" charset="0"/>
+                                </a:rPr>
+                                <m:t>⋅</m:t>
+                              </m:r>
+                              <m:r>
+                                <a:rPr lang="en-US" b="1" i="1">
+                                  <a:latin typeface="Cambria Math" panose="02040503050406030204" pitchFamily="18" charset="0"/>
+                                </a:rPr>
+                                <m:t>𝒏</m:t>
+                              </m:r>
+                            </m:den>
+                          </m:f>
+                        </m:e>
+                      </m:d>
                     </m:oMath>
                   </m:oMathPara>
                 </a14:m>
@@ -8063,10 +8346,10 @@
                 <a:off x="838200" y="1091878"/>
                 <a:ext cx="6061796" cy="5085085"/>
               </a:xfrm>
-              <a:blipFill>
+              <a:blipFill rotWithShape="0">
                 <a:blip r:embed="rId2"/>
                 <a:stretch>
-                  <a:fillRect l="-2113" t="-2158"/>
+                  <a:fillRect l="-1911" t="-2518"/>
                 </a:stretch>
               </a:blipFill>
             </p:spPr>
@@ -8161,8 +8444,8 @@
           </a:fontRef>
         </p:style>
       </p:cxnSp>
-      <mc:AlternateContent xmlns:mc="http://schemas.openxmlformats.org/markup-compatibility/2006">
-        <mc:Choice xmlns:a14="http://schemas.microsoft.com/office/drawing/2010/main" Requires="a14">
+      <mc:AlternateContent xmlns:mc="http://schemas.openxmlformats.org/markup-compatibility/2006" xmlns:a14="http://schemas.microsoft.com/office/drawing/2010/main">
+        <mc:Choice Requires="a14">
           <p:sp>
             <p:nvSpPr>
               <p:cNvPr id="7" name="TextBox 6"/>
@@ -8185,6 +8468,7 @@
               </a:bodyPr>
               <a:lstStyle/>
               <a:p>
+                <a:pPr/>
                 <a14:m>
                   <m:oMathPara xmlns:m="http://schemas.openxmlformats.org/officeDocument/2006/math">
                     <m:oMathParaPr>
@@ -8212,7 +8496,7 @@
             </p:txBody>
           </p:sp>
         </mc:Choice>
-        <mc:Fallback>
+        <mc:Fallback xmlns="">
           <p:sp>
             <p:nvSpPr>
               <p:cNvPr id="7" name="TextBox 6"/>
@@ -8251,8 +8535,8 @@
           </p:sp>
         </mc:Fallback>
       </mc:AlternateContent>
-      <mc:AlternateContent xmlns:mc="http://schemas.openxmlformats.org/markup-compatibility/2006">
-        <mc:Choice xmlns:a14="http://schemas.microsoft.com/office/drawing/2010/main" Requires="a14">
+      <mc:AlternateContent xmlns:mc="http://schemas.openxmlformats.org/markup-compatibility/2006" xmlns:a14="http://schemas.microsoft.com/office/drawing/2010/main">
+        <mc:Choice Requires="a14">
           <p:sp>
             <p:nvSpPr>
               <p:cNvPr id="8" name="TextBox 7"/>
@@ -8275,6 +8559,7 @@
               </a:bodyPr>
               <a:lstStyle/>
               <a:p>
+                <a:pPr/>
                 <a14:m>
                   <m:oMathPara xmlns:m="http://schemas.openxmlformats.org/officeDocument/2006/math">
                     <m:oMathParaPr>
@@ -8302,7 +8587,7 @@
             </p:txBody>
           </p:sp>
         </mc:Choice>
-        <mc:Fallback>
+        <mc:Fallback xmlns="">
           <p:sp>
             <p:nvSpPr>
               <p:cNvPr id="8" name="TextBox 7"/>
@@ -8392,8 +8677,8 @@
           </a:p>
         </p:txBody>
       </p:sp>
-      <mc:AlternateContent xmlns:mc="http://schemas.openxmlformats.org/markup-compatibility/2006">
-        <mc:Choice xmlns:a14="http://schemas.microsoft.com/office/drawing/2010/main" Requires="a14">
+      <mc:AlternateContent xmlns:mc="http://schemas.openxmlformats.org/markup-compatibility/2006" xmlns:a14="http://schemas.microsoft.com/office/drawing/2010/main">
+        <mc:Choice Requires="a14">
           <p:sp>
             <p:nvSpPr>
               <p:cNvPr id="10" name="TextBox 9"/>
@@ -8416,6 +8701,7 @@
               </a:bodyPr>
               <a:lstStyle/>
               <a:p>
+                <a:pPr/>
                 <a14:m>
                   <m:oMathPara xmlns:m="http://schemas.openxmlformats.org/officeDocument/2006/math">
                     <m:oMathParaPr>
@@ -8464,7 +8750,7 @@
             </p:txBody>
           </p:sp>
         </mc:Choice>
-        <mc:Fallback>
+        <mc:Fallback xmlns="">
           <p:sp>
             <p:nvSpPr>
               <p:cNvPr id="10" name="TextBox 9"/>
@@ -8503,8 +8789,8 @@
           </p:sp>
         </mc:Fallback>
       </mc:AlternateContent>
-      <mc:AlternateContent xmlns:mc="http://schemas.openxmlformats.org/markup-compatibility/2006">
-        <mc:Choice xmlns:a14="http://schemas.microsoft.com/office/drawing/2010/main" Requires="a14">
+      <mc:AlternateContent xmlns:mc="http://schemas.openxmlformats.org/markup-compatibility/2006" xmlns:a14="http://schemas.microsoft.com/office/drawing/2010/main">
+        <mc:Choice Requires="a14">
           <p:sp>
             <p:nvSpPr>
               <p:cNvPr id="11" name="TextBox 10"/>
@@ -8527,6 +8813,7 @@
               </a:bodyPr>
               <a:lstStyle/>
               <a:p>
+                <a:pPr/>
                 <a14:m>
                   <m:oMathPara xmlns:m="http://schemas.openxmlformats.org/officeDocument/2006/math">
                     <m:oMathParaPr>
@@ -8575,7 +8862,7 @@
             </p:txBody>
           </p:sp>
         </mc:Choice>
-        <mc:Fallback>
+        <mc:Fallback xmlns="">
           <p:sp>
             <p:nvSpPr>
               <p:cNvPr id="11" name="TextBox 10"/>
@@ -8692,8 +8979,8 @@
           </a:fontRef>
         </p:style>
       </p:cxnSp>
-      <mc:AlternateContent xmlns:mc="http://schemas.openxmlformats.org/markup-compatibility/2006">
-        <mc:Choice xmlns:a14="http://schemas.microsoft.com/office/drawing/2010/main" Requires="a14">
+      <mc:AlternateContent xmlns:mc="http://schemas.openxmlformats.org/markup-compatibility/2006" xmlns:a14="http://schemas.microsoft.com/office/drawing/2010/main">
+        <mc:Choice Requires="a14">
           <p:sp>
             <p:nvSpPr>
               <p:cNvPr id="14" name="TextBox 13"/>
@@ -8716,6 +9003,7 @@
               </a:bodyPr>
               <a:lstStyle/>
               <a:p>
+                <a:pPr/>
                 <a14:m>
                   <m:oMathPara xmlns:m="http://schemas.openxmlformats.org/officeDocument/2006/math">
                     <m:oMathParaPr>
@@ -8768,7 +9056,7 @@
             </p:txBody>
           </p:sp>
         </mc:Choice>
-        <mc:Fallback>
+        <mc:Fallback xmlns="">
           <p:sp>
             <p:nvSpPr>
               <p:cNvPr id="14" name="TextBox 13"/>
@@ -8807,8 +9095,8 @@
           </p:sp>
         </mc:Fallback>
       </mc:AlternateContent>
-      <mc:AlternateContent xmlns:mc="http://schemas.openxmlformats.org/markup-compatibility/2006">
-        <mc:Choice xmlns:a14="http://schemas.microsoft.com/office/drawing/2010/main" Requires="a14">
+      <mc:AlternateContent xmlns:mc="http://schemas.openxmlformats.org/markup-compatibility/2006" xmlns:a14="http://schemas.microsoft.com/office/drawing/2010/main">
+        <mc:Choice Requires="a14">
           <p:sp>
             <p:nvSpPr>
               <p:cNvPr id="15" name="TextBox 14"/>
@@ -8831,6 +9119,7 @@
               </a:bodyPr>
               <a:lstStyle/>
               <a:p>
+                <a:pPr/>
                 <a14:m>
                   <m:oMathPara xmlns:m="http://schemas.openxmlformats.org/officeDocument/2006/math">
                     <m:oMathParaPr>
@@ -8883,7 +9172,7 @@
             </p:txBody>
           </p:sp>
         </mc:Choice>
-        <mc:Fallback>
+        <mc:Fallback xmlns="">
           <p:sp>
             <p:nvSpPr>
               <p:cNvPr id="15" name="TextBox 14"/>
@@ -9010,8 +9299,8 @@
           </a:p>
         </p:txBody>
       </p:sp>
-      <mc:AlternateContent xmlns:mc="http://schemas.openxmlformats.org/markup-compatibility/2006">
-        <mc:Choice xmlns:a14="http://schemas.microsoft.com/office/drawing/2010/main" Requires="a14">
+      <mc:AlternateContent xmlns:mc="http://schemas.openxmlformats.org/markup-compatibility/2006" xmlns:a14="http://schemas.microsoft.com/office/drawing/2010/main">
+        <mc:Choice Requires="a14">
           <p:sp>
             <p:nvSpPr>
               <p:cNvPr id="18" name="TextBox 17"/>
@@ -9034,6 +9323,7 @@
               </a:bodyPr>
               <a:lstStyle/>
               <a:p>
+                <a:pPr/>
                 <a14:m>
                   <m:oMathPara xmlns:m="http://schemas.openxmlformats.org/officeDocument/2006/math">
                     <m:oMathParaPr>
@@ -9061,7 +9351,7 @@
             </p:txBody>
           </p:sp>
         </mc:Choice>
-        <mc:Fallback>
+        <mc:Fallback xmlns="">
           <p:sp>
             <p:nvSpPr>
               <p:cNvPr id="18" name="TextBox 17"/>
@@ -9100,8 +9390,8 @@
           </p:sp>
         </mc:Fallback>
       </mc:AlternateContent>
-      <mc:AlternateContent xmlns:mc="http://schemas.openxmlformats.org/markup-compatibility/2006">
-        <mc:Choice xmlns:a14="http://schemas.microsoft.com/office/drawing/2010/main" Requires="a14">
+      <mc:AlternateContent xmlns:mc="http://schemas.openxmlformats.org/markup-compatibility/2006" xmlns:a14="http://schemas.microsoft.com/office/drawing/2010/main">
+        <mc:Choice Requires="a14">
           <p:sp>
             <p:nvSpPr>
               <p:cNvPr id="19" name="TextBox 18"/>
@@ -9124,6 +9414,7 @@
               </a:bodyPr>
               <a:lstStyle/>
               <a:p>
+                <a:pPr/>
                 <a14:m>
                   <m:oMathPara xmlns:m="http://schemas.openxmlformats.org/officeDocument/2006/math">
                     <m:oMathParaPr>
@@ -9176,7 +9467,7 @@
             </p:txBody>
           </p:sp>
         </mc:Choice>
-        <mc:Fallback>
+        <mc:Fallback xmlns="">
           <p:sp>
             <p:nvSpPr>
               <p:cNvPr id="19" name="TextBox 18"/>
@@ -9268,8 +9559,8 @@
           </a:p>
         </p:txBody>
       </p:sp>
-      <mc:AlternateContent xmlns:mc="http://schemas.openxmlformats.org/markup-compatibility/2006">
-        <mc:Choice xmlns:a14="http://schemas.microsoft.com/office/drawing/2010/main" Requires="a14">
+      <mc:AlternateContent xmlns:mc="http://schemas.openxmlformats.org/markup-compatibility/2006" xmlns:a14="http://schemas.microsoft.com/office/drawing/2010/main">
+        <mc:Choice Requires="a14">
           <p:sp>
             <p:nvSpPr>
               <p:cNvPr id="3" name="Content Placeholder 2"/>
@@ -9578,7 +9869,7 @@
             </p:txBody>
           </p:sp>
         </mc:Choice>
-        <mc:Fallback>
+        <mc:Fallback xmlns="">
           <p:sp>
             <p:nvSpPr>
               <p:cNvPr id="3" name="Content Placeholder 2"/>
